--- a/Dokumentation/Externe Projekte/Präsentation/Bienendrohne Teil Tim.pptx
+++ b/Dokumentation/Externe Projekte/Präsentation/Bienendrohne Teil Tim.pptx
@@ -220,7 +220,7 @@
           <a:p>
             <a:fld id="{C11727E0-91CD-444A-9422-F7C958AFCEAC}" type="datetimeFigureOut">
               <a:rPr lang="de-DE" smtClean="0"/>
-              <a:t>13.06.2018</a:t>
+              <a:t>15.06.2018</a:t>
             </a:fld>
             <a:endParaRPr lang="de-DE"/>
           </a:p>
@@ -895,7 +895,7 @@
           <a:p>
             <a:fld id="{6BBDE0CE-4CFD-4B43-9818-2D49E9011334}" type="datetimeFigureOut">
               <a:rPr lang="de-DE" smtClean="0"/>
-              <a:t>13.06.2018</a:t>
+              <a:t>15.06.2018</a:t>
             </a:fld>
             <a:endParaRPr lang="de-DE"/>
           </a:p>
@@ -1170,7 +1170,7 @@
           <a:p>
             <a:fld id="{6BBDE0CE-4CFD-4B43-9818-2D49E9011334}" type="datetimeFigureOut">
               <a:rPr lang="de-DE" smtClean="0"/>
-              <a:t>13.06.2018</a:t>
+              <a:t>15.06.2018</a:t>
             </a:fld>
             <a:endParaRPr lang="de-DE"/>
           </a:p>
@@ -1364,7 +1364,7 @@
           <a:p>
             <a:fld id="{6BBDE0CE-4CFD-4B43-9818-2D49E9011334}" type="datetimeFigureOut">
               <a:rPr lang="de-DE" smtClean="0"/>
-              <a:t>13.06.2018</a:t>
+              <a:t>15.06.2018</a:t>
             </a:fld>
             <a:endParaRPr lang="de-DE"/>
           </a:p>
@@ -1632,7 +1632,7 @@
           <a:p>
             <a:fld id="{6BBDE0CE-4CFD-4B43-9818-2D49E9011334}" type="datetimeFigureOut">
               <a:rPr lang="de-DE" smtClean="0"/>
-              <a:t>13.06.2018</a:t>
+              <a:t>15.06.2018</a:t>
             </a:fld>
             <a:endParaRPr lang="de-DE"/>
           </a:p>
@@ -1964,7 +1964,7 @@
           <a:p>
             <a:fld id="{6BBDE0CE-4CFD-4B43-9818-2D49E9011334}" type="datetimeFigureOut">
               <a:rPr lang="de-DE" smtClean="0"/>
-              <a:t>13.06.2018</a:t>
+              <a:t>15.06.2018</a:t>
             </a:fld>
             <a:endParaRPr lang="de-DE"/>
           </a:p>
@@ -2574,7 +2574,7 @@
           <a:p>
             <a:fld id="{6BBDE0CE-4CFD-4B43-9818-2D49E9011334}" type="datetimeFigureOut">
               <a:rPr lang="de-DE" smtClean="0"/>
-              <a:t>13.06.2018</a:t>
+              <a:t>15.06.2018</a:t>
             </a:fld>
             <a:endParaRPr lang="de-DE"/>
           </a:p>
@@ -3421,7 +3421,7 @@
           <a:p>
             <a:fld id="{6BBDE0CE-4CFD-4B43-9818-2D49E9011334}" type="datetimeFigureOut">
               <a:rPr lang="de-DE" smtClean="0"/>
-              <a:t>13.06.2018</a:t>
+              <a:t>15.06.2018</a:t>
             </a:fld>
             <a:endParaRPr lang="de-DE"/>
           </a:p>
@@ -3591,7 +3591,7 @@
           <a:p>
             <a:fld id="{6BBDE0CE-4CFD-4B43-9818-2D49E9011334}" type="datetimeFigureOut">
               <a:rPr lang="de-DE" smtClean="0"/>
-              <a:t>13.06.2018</a:t>
+              <a:t>15.06.2018</a:t>
             </a:fld>
             <a:endParaRPr lang="de-DE"/>
           </a:p>
@@ -3771,7 +3771,7 @@
           <a:p>
             <a:fld id="{6BBDE0CE-4CFD-4B43-9818-2D49E9011334}" type="datetimeFigureOut">
               <a:rPr lang="de-DE" smtClean="0"/>
-              <a:t>13.06.2018</a:t>
+              <a:t>15.06.2018</a:t>
             </a:fld>
             <a:endParaRPr lang="de-DE"/>
           </a:p>
@@ -3941,7 +3941,7 @@
           <a:p>
             <a:fld id="{6BBDE0CE-4CFD-4B43-9818-2D49E9011334}" type="datetimeFigureOut">
               <a:rPr lang="de-DE" smtClean="0"/>
-              <a:t>13.06.2018</a:t>
+              <a:t>15.06.2018</a:t>
             </a:fld>
             <a:endParaRPr lang="de-DE"/>
           </a:p>
@@ -4185,7 +4185,7 @@
           <a:p>
             <a:fld id="{6BBDE0CE-4CFD-4B43-9818-2D49E9011334}" type="datetimeFigureOut">
               <a:rPr lang="de-DE" smtClean="0"/>
-              <a:t>13.06.2018</a:t>
+              <a:t>15.06.2018</a:t>
             </a:fld>
             <a:endParaRPr lang="de-DE"/>
           </a:p>
@@ -4477,7 +4477,7 @@
           <a:p>
             <a:fld id="{6BBDE0CE-4CFD-4B43-9818-2D49E9011334}" type="datetimeFigureOut">
               <a:rPr lang="de-DE" smtClean="0"/>
-              <a:t>13.06.2018</a:t>
+              <a:t>15.06.2018</a:t>
             </a:fld>
             <a:endParaRPr lang="de-DE"/>
           </a:p>
@@ -4915,7 +4915,7 @@
           <a:p>
             <a:fld id="{6BBDE0CE-4CFD-4B43-9818-2D49E9011334}" type="datetimeFigureOut">
               <a:rPr lang="de-DE" smtClean="0"/>
-              <a:t>13.06.2018</a:t>
+              <a:t>15.06.2018</a:t>
             </a:fld>
             <a:endParaRPr lang="de-DE"/>
           </a:p>
@@ -5033,7 +5033,7 @@
           <a:p>
             <a:fld id="{6BBDE0CE-4CFD-4B43-9818-2D49E9011334}" type="datetimeFigureOut">
               <a:rPr lang="de-DE" smtClean="0"/>
-              <a:t>13.06.2018</a:t>
+              <a:t>15.06.2018</a:t>
             </a:fld>
             <a:endParaRPr lang="de-DE"/>
           </a:p>
@@ -5128,7 +5128,7 @@
           <a:p>
             <a:fld id="{6BBDE0CE-4CFD-4B43-9818-2D49E9011334}" type="datetimeFigureOut">
               <a:rPr lang="de-DE" smtClean="0"/>
-              <a:t>13.06.2018</a:t>
+              <a:t>15.06.2018</a:t>
             </a:fld>
             <a:endParaRPr lang="de-DE"/>
           </a:p>
@@ -5407,7 +5407,7 @@
           <a:p>
             <a:fld id="{6BBDE0CE-4CFD-4B43-9818-2D49E9011334}" type="datetimeFigureOut">
               <a:rPr lang="de-DE" smtClean="0"/>
-              <a:t>13.06.2018</a:t>
+              <a:t>15.06.2018</a:t>
             </a:fld>
             <a:endParaRPr lang="de-DE"/>
           </a:p>
@@ -5682,7 +5682,7 @@
           <a:p>
             <a:fld id="{6BBDE0CE-4CFD-4B43-9818-2D49E9011334}" type="datetimeFigureOut">
               <a:rPr lang="de-DE" smtClean="0"/>
-              <a:t>13.06.2018</a:t>
+              <a:t>15.06.2018</a:t>
             </a:fld>
             <a:endParaRPr lang="de-DE"/>
           </a:p>
@@ -6247,7 +6247,7 @@
           <a:p>
             <a:fld id="{6BBDE0CE-4CFD-4B43-9818-2D49E9011334}" type="datetimeFigureOut">
               <a:rPr lang="de-DE" smtClean="0"/>
-              <a:t>13.06.2018</a:t>
+              <a:t>15.06.2018</a:t>
             </a:fld>
             <a:endParaRPr lang="de-DE"/>
           </a:p>
@@ -6980,28 +6980,181 @@
               <a:rPr lang="de-DE" dirty="0" smtClean="0"/>
               <a:t>Software</a:t>
             </a:r>
+            <a:r>
+              <a:rPr lang="de-DE" dirty="0"/>
+              <a:t/>
+            </a:r>
+            <a:br>
+              <a:rPr lang="de-DE" dirty="0"/>
+            </a:br>
             <a:endParaRPr lang="de-DE" dirty="0"/>
           </a:p>
         </p:txBody>
       </p:sp>
-      <p:sp>
-        <p:nvSpPr>
-          <p:cNvPr id="3" name="Inhaltsplatzhalter 2"/>
-          <p:cNvSpPr>
-            <a:spLocks noGrp="1"/>
-          </p:cNvSpPr>
-          <p:nvPr>
-            <p:ph idx="1"/>
-          </p:nvPr>
-        </p:nvSpPr>
-        <p:spPr/>
-        <p:txBody>
-          <a:bodyPr/>
+      <p:pic>
+        <p:nvPicPr>
+          <p:cNvPr id="4" name="Grafik 3"/>
+          <p:cNvPicPr>
+            <a:picLocks noChangeAspect="1"/>
+          </p:cNvPicPr>
+          <p:nvPr/>
+        </p:nvPicPr>
+        <p:blipFill>
+          <a:blip r:embed="rId2">
+            <a:extLst>
+              <a:ext uri="{28A0092B-C50C-407E-A947-70E740481C1C}">
+                <a14:useLocalDpi xmlns:a14="http://schemas.microsoft.com/office/drawing/2010/main" val="0"/>
+              </a:ext>
+            </a:extLst>
+          </a:blip>
+          <a:stretch>
+            <a:fillRect/>
+          </a:stretch>
+        </p:blipFill>
+        <p:spPr>
+          <a:xfrm>
+            <a:off x="1259632" y="1700808"/>
+            <a:ext cx="7058025" cy="1628775"/>
+          </a:xfrm>
+          <a:prstGeom prst="rect">
+            <a:avLst/>
+          </a:prstGeom>
+        </p:spPr>
+      </p:pic>
+      <p:sp>
+        <p:nvSpPr>
+          <p:cNvPr id="6" name="Textfeld 5"/>
+          <p:cNvSpPr txBox="1"/>
+          <p:nvPr/>
+        </p:nvSpPr>
+        <p:spPr>
+          <a:xfrm>
+            <a:off x="755576" y="3717032"/>
+            <a:ext cx="2952328" cy="1477328"/>
+          </a:xfrm>
+          <a:prstGeom prst="rect">
+            <a:avLst/>
+          </a:prstGeom>
+          <a:noFill/>
+        </p:spPr>
+        <p:txBody>
+          <a:bodyPr wrap="square" rtlCol="0">
+            <a:spAutoFit/>
+          </a:bodyPr>
           <a:lstStyle/>
           <a:p>
             <a:r>
               <a:rPr lang="de-DE" dirty="0" smtClean="0"/>
-              <a:t>Diagramme</a:t>
+              <a:t>Geradehalten der Drohne</a:t>
+            </a:r>
+          </a:p>
+          <a:p>
+            <a:r>
+              <a:rPr lang="de-DE" dirty="0" smtClean="0"/>
+              <a:t>Flugrichtung -&gt; Motorengeschwindigkeiten</a:t>
+            </a:r>
+            <a:endParaRPr lang="de-DE" dirty="0"/>
+          </a:p>
+        </p:txBody>
+      </p:sp>
+      <p:sp>
+        <p:nvSpPr>
+          <p:cNvPr id="7" name="Textfeld 6"/>
+          <p:cNvSpPr txBox="1"/>
+          <p:nvPr/>
+        </p:nvSpPr>
+        <p:spPr>
+          <a:xfrm>
+            <a:off x="3923928" y="3717032"/>
+            <a:ext cx="1512168" cy="2862322"/>
+          </a:xfrm>
+          <a:prstGeom prst="rect">
+            <a:avLst/>
+          </a:prstGeom>
+          <a:noFill/>
+        </p:spPr>
+        <p:txBody>
+          <a:bodyPr wrap="square" rtlCol="0">
+            <a:spAutoFit/>
+          </a:bodyPr>
+          <a:lstStyle/>
+          <a:p>
+            <a:r>
+              <a:rPr lang="de-DE" dirty="0" smtClean="0"/>
+              <a:t>Kommunikation mit Basis</a:t>
+            </a:r>
+          </a:p>
+          <a:p>
+            <a:r>
+              <a:rPr lang="de-DE" dirty="0" smtClean="0"/>
+              <a:t>Auswerten von Bildern</a:t>
+            </a:r>
+          </a:p>
+          <a:p>
+            <a:r>
+              <a:rPr lang="de-DE" dirty="0" smtClean="0"/>
+              <a:t>Errechnen der Flugroute</a:t>
+            </a:r>
+          </a:p>
+          <a:p>
+            <a:r>
+              <a:rPr lang="de-DE" dirty="0" smtClean="0"/>
+              <a:t>Kontrolle des Fluges</a:t>
+            </a:r>
+            <a:endParaRPr lang="de-DE" dirty="0"/>
+          </a:p>
+        </p:txBody>
+      </p:sp>
+      <p:sp>
+        <p:nvSpPr>
+          <p:cNvPr id="8" name="Textfeld 7"/>
+          <p:cNvSpPr txBox="1"/>
+          <p:nvPr/>
+        </p:nvSpPr>
+        <p:spPr>
+          <a:xfrm>
+            <a:off x="6012160" y="3645024"/>
+            <a:ext cx="2160240" cy="2308324"/>
+          </a:xfrm>
+          <a:prstGeom prst="rect">
+            <a:avLst/>
+          </a:prstGeom>
+          <a:noFill/>
+        </p:spPr>
+        <p:txBody>
+          <a:bodyPr wrap="square" rtlCol="0">
+            <a:spAutoFit/>
+          </a:bodyPr>
+          <a:lstStyle/>
+          <a:p>
+            <a:r>
+              <a:rPr lang="de-DE" dirty="0" smtClean="0"/>
+              <a:t>Passive Kontrolle</a:t>
+            </a:r>
+          </a:p>
+          <a:p>
+            <a:r>
+              <a:rPr lang="de-DE" dirty="0" smtClean="0"/>
+              <a:t>Anzeigen </a:t>
+            </a:r>
+            <a:r>
+              <a:rPr lang="de-DE" dirty="0"/>
+              <a:t>von Fluginformationen</a:t>
+            </a:r>
+          </a:p>
+          <a:p>
+            <a:endParaRPr lang="de-DE" dirty="0" smtClean="0"/>
+          </a:p>
+          <a:p>
+            <a:r>
+              <a:rPr lang="de-DE" dirty="0" smtClean="0"/>
+              <a:t>Notlandungen</a:t>
+            </a:r>
+          </a:p>
+          <a:p>
+            <a:r>
+              <a:rPr lang="de-DE" dirty="0" smtClean="0"/>
+              <a:t>Manuelle Steuerung</a:t>
             </a:r>
             <a:endParaRPr lang="de-DE" dirty="0"/>
           </a:p>

--- a/Dokumentation/Externe Projekte/Präsentation/Bienendrohne Teil Tim.pptx
+++ b/Dokumentation/Externe Projekte/Präsentation/Bienendrohne Teil Tim.pptx
@@ -5,7 +5,7 @@
     <p:sldMasterId id="2147483707" r:id="rId1"/>
   </p:sldMasterIdLst>
   <p:notesMasterIdLst>
-    <p:notesMasterId r:id="rId15"/>
+    <p:notesMasterId r:id="rId16"/>
   </p:notesMasterIdLst>
   <p:sldIdLst>
     <p:sldId id="256" r:id="rId2"/>
@@ -19,8 +19,9 @@
     <p:sldId id="266" r:id="rId10"/>
     <p:sldId id="267" r:id="rId11"/>
     <p:sldId id="261" r:id="rId12"/>
-    <p:sldId id="262" r:id="rId13"/>
-    <p:sldId id="268" r:id="rId14"/>
+    <p:sldId id="269" r:id="rId13"/>
+    <p:sldId id="262" r:id="rId14"/>
+    <p:sldId id="268" r:id="rId15"/>
   </p:sldIdLst>
   <p:sldSz cx="9144000" cy="6858000" type="screen4x3"/>
   <p:notesSz cx="6858000" cy="9144000"/>
@@ -220,7 +221,7 @@
           <a:p>
             <a:fld id="{C11727E0-91CD-444A-9422-F7C958AFCEAC}" type="datetimeFigureOut">
               <a:rPr lang="de-DE" smtClean="0"/>
-              <a:t>15.06.2018</a:t>
+              <a:t>18.06.2018</a:t>
             </a:fld>
             <a:endParaRPr lang="de-DE"/>
           </a:p>
@@ -895,7 +896,7 @@
           <a:p>
             <a:fld id="{6BBDE0CE-4CFD-4B43-9818-2D49E9011334}" type="datetimeFigureOut">
               <a:rPr lang="de-DE" smtClean="0"/>
-              <a:t>15.06.2018</a:t>
+              <a:t>18.06.2018</a:t>
             </a:fld>
             <a:endParaRPr lang="de-DE"/>
           </a:p>
@@ -1170,7 +1171,7 @@
           <a:p>
             <a:fld id="{6BBDE0CE-4CFD-4B43-9818-2D49E9011334}" type="datetimeFigureOut">
               <a:rPr lang="de-DE" smtClean="0"/>
-              <a:t>15.06.2018</a:t>
+              <a:t>18.06.2018</a:t>
             </a:fld>
             <a:endParaRPr lang="de-DE"/>
           </a:p>
@@ -1364,7 +1365,7 @@
           <a:p>
             <a:fld id="{6BBDE0CE-4CFD-4B43-9818-2D49E9011334}" type="datetimeFigureOut">
               <a:rPr lang="de-DE" smtClean="0"/>
-              <a:t>15.06.2018</a:t>
+              <a:t>18.06.2018</a:t>
             </a:fld>
             <a:endParaRPr lang="de-DE"/>
           </a:p>
@@ -1632,7 +1633,7 @@
           <a:p>
             <a:fld id="{6BBDE0CE-4CFD-4B43-9818-2D49E9011334}" type="datetimeFigureOut">
               <a:rPr lang="de-DE" smtClean="0"/>
-              <a:t>15.06.2018</a:t>
+              <a:t>18.06.2018</a:t>
             </a:fld>
             <a:endParaRPr lang="de-DE"/>
           </a:p>
@@ -1964,7 +1965,7 @@
           <a:p>
             <a:fld id="{6BBDE0CE-4CFD-4B43-9818-2D49E9011334}" type="datetimeFigureOut">
               <a:rPr lang="de-DE" smtClean="0"/>
-              <a:t>15.06.2018</a:t>
+              <a:t>18.06.2018</a:t>
             </a:fld>
             <a:endParaRPr lang="de-DE"/>
           </a:p>
@@ -2574,7 +2575,7 @@
           <a:p>
             <a:fld id="{6BBDE0CE-4CFD-4B43-9818-2D49E9011334}" type="datetimeFigureOut">
               <a:rPr lang="de-DE" smtClean="0"/>
-              <a:t>15.06.2018</a:t>
+              <a:t>18.06.2018</a:t>
             </a:fld>
             <a:endParaRPr lang="de-DE"/>
           </a:p>
@@ -3421,7 +3422,7 @@
           <a:p>
             <a:fld id="{6BBDE0CE-4CFD-4B43-9818-2D49E9011334}" type="datetimeFigureOut">
               <a:rPr lang="de-DE" smtClean="0"/>
-              <a:t>15.06.2018</a:t>
+              <a:t>18.06.2018</a:t>
             </a:fld>
             <a:endParaRPr lang="de-DE"/>
           </a:p>
@@ -3591,7 +3592,7 @@
           <a:p>
             <a:fld id="{6BBDE0CE-4CFD-4B43-9818-2D49E9011334}" type="datetimeFigureOut">
               <a:rPr lang="de-DE" smtClean="0"/>
-              <a:t>15.06.2018</a:t>
+              <a:t>18.06.2018</a:t>
             </a:fld>
             <a:endParaRPr lang="de-DE"/>
           </a:p>
@@ -3771,7 +3772,7 @@
           <a:p>
             <a:fld id="{6BBDE0CE-4CFD-4B43-9818-2D49E9011334}" type="datetimeFigureOut">
               <a:rPr lang="de-DE" smtClean="0"/>
-              <a:t>15.06.2018</a:t>
+              <a:t>18.06.2018</a:t>
             </a:fld>
             <a:endParaRPr lang="de-DE"/>
           </a:p>
@@ -3941,7 +3942,7 @@
           <a:p>
             <a:fld id="{6BBDE0CE-4CFD-4B43-9818-2D49E9011334}" type="datetimeFigureOut">
               <a:rPr lang="de-DE" smtClean="0"/>
-              <a:t>15.06.2018</a:t>
+              <a:t>18.06.2018</a:t>
             </a:fld>
             <a:endParaRPr lang="de-DE"/>
           </a:p>
@@ -4185,7 +4186,7 @@
           <a:p>
             <a:fld id="{6BBDE0CE-4CFD-4B43-9818-2D49E9011334}" type="datetimeFigureOut">
               <a:rPr lang="de-DE" smtClean="0"/>
-              <a:t>15.06.2018</a:t>
+              <a:t>18.06.2018</a:t>
             </a:fld>
             <a:endParaRPr lang="de-DE"/>
           </a:p>
@@ -4477,7 +4478,7 @@
           <a:p>
             <a:fld id="{6BBDE0CE-4CFD-4B43-9818-2D49E9011334}" type="datetimeFigureOut">
               <a:rPr lang="de-DE" smtClean="0"/>
-              <a:t>15.06.2018</a:t>
+              <a:t>18.06.2018</a:t>
             </a:fld>
             <a:endParaRPr lang="de-DE"/>
           </a:p>
@@ -4915,7 +4916,7 @@
           <a:p>
             <a:fld id="{6BBDE0CE-4CFD-4B43-9818-2D49E9011334}" type="datetimeFigureOut">
               <a:rPr lang="de-DE" smtClean="0"/>
-              <a:t>15.06.2018</a:t>
+              <a:t>18.06.2018</a:t>
             </a:fld>
             <a:endParaRPr lang="de-DE"/>
           </a:p>
@@ -5033,7 +5034,7 @@
           <a:p>
             <a:fld id="{6BBDE0CE-4CFD-4B43-9818-2D49E9011334}" type="datetimeFigureOut">
               <a:rPr lang="de-DE" smtClean="0"/>
-              <a:t>15.06.2018</a:t>
+              <a:t>18.06.2018</a:t>
             </a:fld>
             <a:endParaRPr lang="de-DE"/>
           </a:p>
@@ -5128,7 +5129,7 @@
           <a:p>
             <a:fld id="{6BBDE0CE-4CFD-4B43-9818-2D49E9011334}" type="datetimeFigureOut">
               <a:rPr lang="de-DE" smtClean="0"/>
-              <a:t>15.06.2018</a:t>
+              <a:t>18.06.2018</a:t>
             </a:fld>
             <a:endParaRPr lang="de-DE"/>
           </a:p>
@@ -5407,7 +5408,7 @@
           <a:p>
             <a:fld id="{6BBDE0CE-4CFD-4B43-9818-2D49E9011334}" type="datetimeFigureOut">
               <a:rPr lang="de-DE" smtClean="0"/>
-              <a:t>15.06.2018</a:t>
+              <a:t>18.06.2018</a:t>
             </a:fld>
             <a:endParaRPr lang="de-DE"/>
           </a:p>
@@ -5682,7 +5683,7 @@
           <a:p>
             <a:fld id="{6BBDE0CE-4CFD-4B43-9818-2D49E9011334}" type="datetimeFigureOut">
               <a:rPr lang="de-DE" smtClean="0"/>
-              <a:t>15.06.2018</a:t>
+              <a:t>18.06.2018</a:t>
             </a:fld>
             <a:endParaRPr lang="de-DE"/>
           </a:p>
@@ -6247,7 +6248,7 @@
           <a:p>
             <a:fld id="{6BBDE0CE-4CFD-4B43-9818-2D49E9011334}" type="datetimeFigureOut">
               <a:rPr lang="de-DE" smtClean="0"/>
-              <a:t>15.06.2018</a:t>
+              <a:t>18.06.2018</a:t>
             </a:fld>
             <a:endParaRPr lang="de-DE"/>
           </a:p>
@@ -7199,6 +7200,136 @@
       </p:grpSpPr>
       <p:sp>
         <p:nvSpPr>
+          <p:cNvPr id="5" name="Rechteck 4"/>
+          <p:cNvSpPr/>
+          <p:nvPr/>
+        </p:nvSpPr>
+        <p:spPr>
+          <a:xfrm>
+            <a:off x="524786" y="1484784"/>
+            <a:ext cx="1495002" cy="512480"/>
+          </a:xfrm>
+          <a:prstGeom prst="rect">
+            <a:avLst/>
+          </a:prstGeom>
+        </p:spPr>
+        <p:style>
+          <a:lnRef idx="2">
+            <a:schemeClr val="accent1">
+              <a:shade val="50000"/>
+            </a:schemeClr>
+          </a:lnRef>
+          <a:fillRef idx="1">
+            <a:schemeClr val="accent1"/>
+          </a:fillRef>
+          <a:effectRef idx="0">
+            <a:schemeClr val="accent1"/>
+          </a:effectRef>
+          <a:fontRef idx="minor">
+            <a:schemeClr val="lt1"/>
+          </a:fontRef>
+        </p:style>
+        <p:txBody>
+          <a:bodyPr rtlCol="0" anchor="ctr"/>
+          <a:lstStyle/>
+          <a:p>
+            <a:pPr algn="ctr"/>
+            <a:endParaRPr lang="de-DE"/>
+          </a:p>
+        </p:txBody>
+      </p:sp>
+      <p:sp>
+        <p:nvSpPr>
+          <p:cNvPr id="2" name="Titel 1"/>
+          <p:cNvSpPr>
+            <a:spLocks noGrp="1"/>
+          </p:cNvSpPr>
+          <p:nvPr>
+            <p:ph type="title"/>
+          </p:nvPr>
+        </p:nvSpPr>
+        <p:spPr/>
+        <p:txBody>
+          <a:bodyPr/>
+          <a:lstStyle/>
+          <a:p>
+            <a:r>
+              <a:rPr lang="de-DE" dirty="0" smtClean="0"/>
+              <a:t>Lagensteuerung</a:t>
+            </a:r>
+            <a:endParaRPr lang="de-DE" dirty="0"/>
+          </a:p>
+        </p:txBody>
+      </p:sp>
+      <p:pic>
+        <p:nvPicPr>
+          <p:cNvPr id="7" name="Grafik 6"/>
+          <p:cNvPicPr>
+            <a:picLocks noChangeAspect="1"/>
+          </p:cNvPicPr>
+          <p:nvPr/>
+        </p:nvPicPr>
+        <p:blipFill>
+          <a:blip r:embed="rId2">
+            <a:extLst>
+              <a:ext uri="{28A0092B-C50C-407E-A947-70E740481C1C}">
+                <a14:useLocalDpi xmlns:a14="http://schemas.microsoft.com/office/drawing/2010/main" val="0"/>
+              </a:ext>
+            </a:extLst>
+          </a:blip>
+          <a:stretch>
+            <a:fillRect/>
+          </a:stretch>
+        </p:blipFill>
+        <p:spPr>
+          <a:xfrm>
+            <a:off x="0" y="1628800"/>
+            <a:ext cx="9144000" cy="4315776"/>
+          </a:xfrm>
+          <a:prstGeom prst="rect">
+            <a:avLst/>
+          </a:prstGeom>
+        </p:spPr>
+      </p:pic>
+    </p:spTree>
+    <p:extLst>
+      <p:ext uri="{BB962C8B-B14F-4D97-AF65-F5344CB8AC3E}">
+        <p14:creationId xmlns:p14="http://schemas.microsoft.com/office/powerpoint/2010/main" val="3146276998"/>
+      </p:ext>
+    </p:extLst>
+  </p:cSld>
+  <p:clrMapOvr>
+    <a:masterClrMapping/>
+  </p:clrMapOvr>
+  <p:timing>
+    <p:tnLst>
+      <p:par>
+        <p:cTn id="1" dur="indefinite" restart="never" nodeType="tmRoot"/>
+      </p:par>
+    </p:tnLst>
+  </p:timing>
+</p:sld>
+</file>
+
+<file path=ppt/slides/slide13.xml><?xml version="1.0" encoding="utf-8"?>
+<p:sld xmlns:a="http://schemas.openxmlformats.org/drawingml/2006/main" xmlns:r="http://schemas.openxmlformats.org/officeDocument/2006/relationships" xmlns:p="http://schemas.openxmlformats.org/presentationml/2006/main">
+  <p:cSld>
+    <p:spTree>
+      <p:nvGrpSpPr>
+        <p:cNvPr id="1" name=""/>
+        <p:cNvGrpSpPr/>
+        <p:nvPr/>
+      </p:nvGrpSpPr>
+      <p:grpSpPr>
+        <a:xfrm>
+          <a:off x="0" y="0"/>
+          <a:ext cx="0" cy="0"/>
+          <a:chOff x="0" y="0"/>
+          <a:chExt cx="0" cy="0"/>
+        </a:xfrm>
+      </p:grpSpPr>
+      <p:sp>
+        <p:nvSpPr>
           <p:cNvPr id="2" name="Titel 1"/>
           <p:cNvSpPr>
             <a:spLocks noGrp="1"/>
@@ -7269,7 +7400,7 @@
 </p:sld>
 </file>
 
-<file path=ppt/slides/slide13.xml><?xml version="1.0" encoding="utf-8"?>
+<file path=ppt/slides/slide14.xml><?xml version="1.0" encoding="utf-8"?>
 <p:sld xmlns:a="http://schemas.openxmlformats.org/drawingml/2006/main" xmlns:r="http://schemas.openxmlformats.org/officeDocument/2006/relationships" xmlns:p="http://schemas.openxmlformats.org/presentationml/2006/main">
   <p:cSld>
     <p:spTree>

--- a/Dokumentation/Externe Projekte/Präsentation/Bienendrohne Teil Tim.pptx
+++ b/Dokumentation/Externe Projekte/Präsentation/Bienendrohne Teil Tim.pptx
@@ -5,7 +5,7 @@
     <p:sldMasterId id="2147483707" r:id="rId1"/>
   </p:sldMasterIdLst>
   <p:notesMasterIdLst>
-    <p:notesMasterId r:id="rId16"/>
+    <p:notesMasterId r:id="rId17"/>
   </p:notesMasterIdLst>
   <p:sldIdLst>
     <p:sldId id="256" r:id="rId2"/>
@@ -20,8 +20,9 @@
     <p:sldId id="267" r:id="rId11"/>
     <p:sldId id="261" r:id="rId12"/>
     <p:sldId id="269" r:id="rId13"/>
-    <p:sldId id="262" r:id="rId14"/>
-    <p:sldId id="268" r:id="rId15"/>
+    <p:sldId id="270" r:id="rId14"/>
+    <p:sldId id="262" r:id="rId15"/>
+    <p:sldId id="268" r:id="rId16"/>
   </p:sldIdLst>
   <p:sldSz cx="9144000" cy="6858000" type="screen4x3"/>
   <p:notesSz cx="6858000" cy="9144000"/>
@@ -221,7 +222,7 @@
           <a:p>
             <a:fld id="{C11727E0-91CD-444A-9422-F7C958AFCEAC}" type="datetimeFigureOut">
               <a:rPr lang="de-DE" smtClean="0"/>
-              <a:t>18.06.2018</a:t>
+              <a:t>19.06.2018</a:t>
             </a:fld>
             <a:endParaRPr lang="de-DE"/>
           </a:p>
@@ -896,7 +897,7 @@
           <a:p>
             <a:fld id="{6BBDE0CE-4CFD-4B43-9818-2D49E9011334}" type="datetimeFigureOut">
               <a:rPr lang="de-DE" smtClean="0"/>
-              <a:t>18.06.2018</a:t>
+              <a:t>19.06.2018</a:t>
             </a:fld>
             <a:endParaRPr lang="de-DE"/>
           </a:p>
@@ -1171,7 +1172,7 @@
           <a:p>
             <a:fld id="{6BBDE0CE-4CFD-4B43-9818-2D49E9011334}" type="datetimeFigureOut">
               <a:rPr lang="de-DE" smtClean="0"/>
-              <a:t>18.06.2018</a:t>
+              <a:t>19.06.2018</a:t>
             </a:fld>
             <a:endParaRPr lang="de-DE"/>
           </a:p>
@@ -1365,7 +1366,7 @@
           <a:p>
             <a:fld id="{6BBDE0CE-4CFD-4B43-9818-2D49E9011334}" type="datetimeFigureOut">
               <a:rPr lang="de-DE" smtClean="0"/>
-              <a:t>18.06.2018</a:t>
+              <a:t>19.06.2018</a:t>
             </a:fld>
             <a:endParaRPr lang="de-DE"/>
           </a:p>
@@ -1633,7 +1634,7 @@
           <a:p>
             <a:fld id="{6BBDE0CE-4CFD-4B43-9818-2D49E9011334}" type="datetimeFigureOut">
               <a:rPr lang="de-DE" smtClean="0"/>
-              <a:t>18.06.2018</a:t>
+              <a:t>19.06.2018</a:t>
             </a:fld>
             <a:endParaRPr lang="de-DE"/>
           </a:p>
@@ -1965,7 +1966,7 @@
           <a:p>
             <a:fld id="{6BBDE0CE-4CFD-4B43-9818-2D49E9011334}" type="datetimeFigureOut">
               <a:rPr lang="de-DE" smtClean="0"/>
-              <a:t>18.06.2018</a:t>
+              <a:t>19.06.2018</a:t>
             </a:fld>
             <a:endParaRPr lang="de-DE"/>
           </a:p>
@@ -2575,7 +2576,7 @@
           <a:p>
             <a:fld id="{6BBDE0CE-4CFD-4B43-9818-2D49E9011334}" type="datetimeFigureOut">
               <a:rPr lang="de-DE" smtClean="0"/>
-              <a:t>18.06.2018</a:t>
+              <a:t>19.06.2018</a:t>
             </a:fld>
             <a:endParaRPr lang="de-DE"/>
           </a:p>
@@ -3422,7 +3423,7 @@
           <a:p>
             <a:fld id="{6BBDE0CE-4CFD-4B43-9818-2D49E9011334}" type="datetimeFigureOut">
               <a:rPr lang="de-DE" smtClean="0"/>
-              <a:t>18.06.2018</a:t>
+              <a:t>19.06.2018</a:t>
             </a:fld>
             <a:endParaRPr lang="de-DE"/>
           </a:p>
@@ -3592,7 +3593,7 @@
           <a:p>
             <a:fld id="{6BBDE0CE-4CFD-4B43-9818-2D49E9011334}" type="datetimeFigureOut">
               <a:rPr lang="de-DE" smtClean="0"/>
-              <a:t>18.06.2018</a:t>
+              <a:t>19.06.2018</a:t>
             </a:fld>
             <a:endParaRPr lang="de-DE"/>
           </a:p>
@@ -3772,7 +3773,7 @@
           <a:p>
             <a:fld id="{6BBDE0CE-4CFD-4B43-9818-2D49E9011334}" type="datetimeFigureOut">
               <a:rPr lang="de-DE" smtClean="0"/>
-              <a:t>18.06.2018</a:t>
+              <a:t>19.06.2018</a:t>
             </a:fld>
             <a:endParaRPr lang="de-DE"/>
           </a:p>
@@ -3942,7 +3943,7 @@
           <a:p>
             <a:fld id="{6BBDE0CE-4CFD-4B43-9818-2D49E9011334}" type="datetimeFigureOut">
               <a:rPr lang="de-DE" smtClean="0"/>
-              <a:t>18.06.2018</a:t>
+              <a:t>19.06.2018</a:t>
             </a:fld>
             <a:endParaRPr lang="de-DE"/>
           </a:p>
@@ -4186,7 +4187,7 @@
           <a:p>
             <a:fld id="{6BBDE0CE-4CFD-4B43-9818-2D49E9011334}" type="datetimeFigureOut">
               <a:rPr lang="de-DE" smtClean="0"/>
-              <a:t>18.06.2018</a:t>
+              <a:t>19.06.2018</a:t>
             </a:fld>
             <a:endParaRPr lang="de-DE"/>
           </a:p>
@@ -4478,7 +4479,7 @@
           <a:p>
             <a:fld id="{6BBDE0CE-4CFD-4B43-9818-2D49E9011334}" type="datetimeFigureOut">
               <a:rPr lang="de-DE" smtClean="0"/>
-              <a:t>18.06.2018</a:t>
+              <a:t>19.06.2018</a:t>
             </a:fld>
             <a:endParaRPr lang="de-DE"/>
           </a:p>
@@ -4916,7 +4917,7 @@
           <a:p>
             <a:fld id="{6BBDE0CE-4CFD-4B43-9818-2D49E9011334}" type="datetimeFigureOut">
               <a:rPr lang="de-DE" smtClean="0"/>
-              <a:t>18.06.2018</a:t>
+              <a:t>19.06.2018</a:t>
             </a:fld>
             <a:endParaRPr lang="de-DE"/>
           </a:p>
@@ -5034,7 +5035,7 @@
           <a:p>
             <a:fld id="{6BBDE0CE-4CFD-4B43-9818-2D49E9011334}" type="datetimeFigureOut">
               <a:rPr lang="de-DE" smtClean="0"/>
-              <a:t>18.06.2018</a:t>
+              <a:t>19.06.2018</a:t>
             </a:fld>
             <a:endParaRPr lang="de-DE"/>
           </a:p>
@@ -5129,7 +5130,7 @@
           <a:p>
             <a:fld id="{6BBDE0CE-4CFD-4B43-9818-2D49E9011334}" type="datetimeFigureOut">
               <a:rPr lang="de-DE" smtClean="0"/>
-              <a:t>18.06.2018</a:t>
+              <a:t>19.06.2018</a:t>
             </a:fld>
             <a:endParaRPr lang="de-DE"/>
           </a:p>
@@ -5408,7 +5409,7 @@
           <a:p>
             <a:fld id="{6BBDE0CE-4CFD-4B43-9818-2D49E9011334}" type="datetimeFigureOut">
               <a:rPr lang="de-DE" smtClean="0"/>
-              <a:t>18.06.2018</a:t>
+              <a:t>19.06.2018</a:t>
             </a:fld>
             <a:endParaRPr lang="de-DE"/>
           </a:p>
@@ -5683,7 +5684,7 @@
           <a:p>
             <a:fld id="{6BBDE0CE-4CFD-4B43-9818-2D49E9011334}" type="datetimeFigureOut">
               <a:rPr lang="de-DE" smtClean="0"/>
-              <a:t>18.06.2018</a:t>
+              <a:t>19.06.2018</a:t>
             </a:fld>
             <a:endParaRPr lang="de-DE"/>
           </a:p>
@@ -6248,7 +6249,7 @@
           <a:p>
             <a:fld id="{6BBDE0CE-4CFD-4B43-9818-2D49E9011334}" type="datetimeFigureOut">
               <a:rPr lang="de-DE" smtClean="0"/>
-              <a:t>18.06.2018</a:t>
+              <a:t>19.06.2018</a:t>
             </a:fld>
             <a:endParaRPr lang="de-DE"/>
           </a:p>
@@ -7338,6 +7339,101 @@
             <p:ph type="title"/>
           </p:nvPr>
         </p:nvSpPr>
+        <p:spPr>
+          <a:xfrm rot="16200000">
+            <a:off x="-2503897" y="351769"/>
+            <a:ext cx="7055380" cy="1400530"/>
+          </a:xfrm>
+        </p:spPr>
+        <p:txBody>
+          <a:bodyPr/>
+          <a:lstStyle/>
+          <a:p>
+            <a:r>
+              <a:rPr lang="de-DE" dirty="0" smtClean="0"/>
+              <a:t>Flugsteuerung</a:t>
+            </a:r>
+            <a:endParaRPr lang="de-DE" dirty="0"/>
+          </a:p>
+        </p:txBody>
+      </p:sp>
+      <p:pic>
+        <p:nvPicPr>
+          <p:cNvPr id="5" name="Grafik 4"/>
+          <p:cNvPicPr>
+            <a:picLocks noChangeAspect="1"/>
+          </p:cNvPicPr>
+          <p:nvPr/>
+        </p:nvPicPr>
+        <p:blipFill>
+          <a:blip r:embed="rId2">
+            <a:extLst>
+              <a:ext uri="{28A0092B-C50C-407E-A947-70E740481C1C}">
+                <a14:useLocalDpi xmlns:a14="http://schemas.microsoft.com/office/drawing/2010/main" val="0"/>
+              </a:ext>
+            </a:extLst>
+          </a:blip>
+          <a:stretch>
+            <a:fillRect/>
+          </a:stretch>
+        </p:blipFill>
+        <p:spPr>
+          <a:xfrm>
+            <a:off x="2123728" y="0"/>
+            <a:ext cx="5762521" cy="6858000"/>
+          </a:xfrm>
+          <a:prstGeom prst="rect">
+            <a:avLst/>
+          </a:prstGeom>
+        </p:spPr>
+      </p:pic>
+    </p:spTree>
+    <p:extLst>
+      <p:ext uri="{BB962C8B-B14F-4D97-AF65-F5344CB8AC3E}">
+        <p14:creationId xmlns:p14="http://schemas.microsoft.com/office/powerpoint/2010/main" val="3823564979"/>
+      </p:ext>
+    </p:extLst>
+  </p:cSld>
+  <p:clrMapOvr>
+    <a:masterClrMapping/>
+  </p:clrMapOvr>
+  <p:timing>
+    <p:tnLst>
+      <p:par>
+        <p:cTn id="1" dur="indefinite" restart="never" nodeType="tmRoot"/>
+      </p:par>
+    </p:tnLst>
+  </p:timing>
+</p:sld>
+</file>
+
+<file path=ppt/slides/slide14.xml><?xml version="1.0" encoding="utf-8"?>
+<p:sld xmlns:a="http://schemas.openxmlformats.org/drawingml/2006/main" xmlns:r="http://schemas.openxmlformats.org/officeDocument/2006/relationships" xmlns:p="http://schemas.openxmlformats.org/presentationml/2006/main">
+  <p:cSld>
+    <p:spTree>
+      <p:nvGrpSpPr>
+        <p:cNvPr id="1" name=""/>
+        <p:cNvGrpSpPr/>
+        <p:nvPr/>
+      </p:nvGrpSpPr>
+      <p:grpSpPr>
+        <a:xfrm>
+          <a:off x="0" y="0"/>
+          <a:ext cx="0" cy="0"/>
+          <a:chOff x="0" y="0"/>
+          <a:chExt cx="0" cy="0"/>
+        </a:xfrm>
+      </p:grpSpPr>
+      <p:sp>
+        <p:nvSpPr>
+          <p:cNvPr id="2" name="Titel 1"/>
+          <p:cNvSpPr>
+            <a:spLocks noGrp="1"/>
+          </p:cNvSpPr>
+          <p:nvPr>
+            <p:ph type="title"/>
+          </p:nvPr>
+        </p:nvSpPr>
         <p:spPr/>
         <p:txBody>
           <a:bodyPr/>
@@ -7400,7 +7496,7 @@
 </p:sld>
 </file>
 
-<file path=ppt/slides/slide14.xml><?xml version="1.0" encoding="utf-8"?>
+<file path=ppt/slides/slide15.xml><?xml version="1.0" encoding="utf-8"?>
 <p:sld xmlns:a="http://schemas.openxmlformats.org/drawingml/2006/main" xmlns:r="http://schemas.openxmlformats.org/officeDocument/2006/relationships" xmlns:p="http://schemas.openxmlformats.org/presentationml/2006/main">
   <p:cSld>
     <p:spTree>

--- a/Dokumentation/Externe Projekte/Präsentation/Bienendrohne Teil Tim.pptx
+++ b/Dokumentation/Externe Projekte/Präsentation/Bienendrohne Teil Tim.pptx
@@ -5,7 +5,7 @@
     <p:sldMasterId id="2147483707" r:id="rId1"/>
   </p:sldMasterIdLst>
   <p:notesMasterIdLst>
-    <p:notesMasterId r:id="rId17"/>
+    <p:notesMasterId r:id="rId18"/>
   </p:notesMasterIdLst>
   <p:sldIdLst>
     <p:sldId id="256" r:id="rId2"/>
@@ -21,8 +21,9 @@
     <p:sldId id="261" r:id="rId12"/>
     <p:sldId id="269" r:id="rId13"/>
     <p:sldId id="270" r:id="rId14"/>
-    <p:sldId id="262" r:id="rId15"/>
-    <p:sldId id="268" r:id="rId16"/>
+    <p:sldId id="271" r:id="rId15"/>
+    <p:sldId id="262" r:id="rId16"/>
+    <p:sldId id="268" r:id="rId17"/>
   </p:sldIdLst>
   <p:sldSz cx="9144000" cy="6858000" type="screen4x3"/>
   <p:notesSz cx="6858000" cy="9144000"/>
@@ -222,7 +223,7 @@
           <a:p>
             <a:fld id="{C11727E0-91CD-444A-9422-F7C958AFCEAC}" type="datetimeFigureOut">
               <a:rPr lang="de-DE" smtClean="0"/>
-              <a:t>19.06.2018</a:t>
+              <a:t>24.06.2018</a:t>
             </a:fld>
             <a:endParaRPr lang="de-DE"/>
           </a:p>
@@ -897,7 +898,7 @@
           <a:p>
             <a:fld id="{6BBDE0CE-4CFD-4B43-9818-2D49E9011334}" type="datetimeFigureOut">
               <a:rPr lang="de-DE" smtClean="0"/>
-              <a:t>19.06.2018</a:t>
+              <a:t>24.06.2018</a:t>
             </a:fld>
             <a:endParaRPr lang="de-DE"/>
           </a:p>
@@ -1172,7 +1173,7 @@
           <a:p>
             <a:fld id="{6BBDE0CE-4CFD-4B43-9818-2D49E9011334}" type="datetimeFigureOut">
               <a:rPr lang="de-DE" smtClean="0"/>
-              <a:t>19.06.2018</a:t>
+              <a:t>24.06.2018</a:t>
             </a:fld>
             <a:endParaRPr lang="de-DE"/>
           </a:p>
@@ -1366,7 +1367,7 @@
           <a:p>
             <a:fld id="{6BBDE0CE-4CFD-4B43-9818-2D49E9011334}" type="datetimeFigureOut">
               <a:rPr lang="de-DE" smtClean="0"/>
-              <a:t>19.06.2018</a:t>
+              <a:t>24.06.2018</a:t>
             </a:fld>
             <a:endParaRPr lang="de-DE"/>
           </a:p>
@@ -1634,7 +1635,7 @@
           <a:p>
             <a:fld id="{6BBDE0CE-4CFD-4B43-9818-2D49E9011334}" type="datetimeFigureOut">
               <a:rPr lang="de-DE" smtClean="0"/>
-              <a:t>19.06.2018</a:t>
+              <a:t>24.06.2018</a:t>
             </a:fld>
             <a:endParaRPr lang="de-DE"/>
           </a:p>
@@ -1966,7 +1967,7 @@
           <a:p>
             <a:fld id="{6BBDE0CE-4CFD-4B43-9818-2D49E9011334}" type="datetimeFigureOut">
               <a:rPr lang="de-DE" smtClean="0"/>
-              <a:t>19.06.2018</a:t>
+              <a:t>24.06.2018</a:t>
             </a:fld>
             <a:endParaRPr lang="de-DE"/>
           </a:p>
@@ -2576,7 +2577,7 @@
           <a:p>
             <a:fld id="{6BBDE0CE-4CFD-4B43-9818-2D49E9011334}" type="datetimeFigureOut">
               <a:rPr lang="de-DE" smtClean="0"/>
-              <a:t>19.06.2018</a:t>
+              <a:t>24.06.2018</a:t>
             </a:fld>
             <a:endParaRPr lang="de-DE"/>
           </a:p>
@@ -3423,7 +3424,7 @@
           <a:p>
             <a:fld id="{6BBDE0CE-4CFD-4B43-9818-2D49E9011334}" type="datetimeFigureOut">
               <a:rPr lang="de-DE" smtClean="0"/>
-              <a:t>19.06.2018</a:t>
+              <a:t>24.06.2018</a:t>
             </a:fld>
             <a:endParaRPr lang="de-DE"/>
           </a:p>
@@ -3593,7 +3594,7 @@
           <a:p>
             <a:fld id="{6BBDE0CE-4CFD-4B43-9818-2D49E9011334}" type="datetimeFigureOut">
               <a:rPr lang="de-DE" smtClean="0"/>
-              <a:t>19.06.2018</a:t>
+              <a:t>24.06.2018</a:t>
             </a:fld>
             <a:endParaRPr lang="de-DE"/>
           </a:p>
@@ -3773,7 +3774,7 @@
           <a:p>
             <a:fld id="{6BBDE0CE-4CFD-4B43-9818-2D49E9011334}" type="datetimeFigureOut">
               <a:rPr lang="de-DE" smtClean="0"/>
-              <a:t>19.06.2018</a:t>
+              <a:t>24.06.2018</a:t>
             </a:fld>
             <a:endParaRPr lang="de-DE"/>
           </a:p>
@@ -3943,7 +3944,7 @@
           <a:p>
             <a:fld id="{6BBDE0CE-4CFD-4B43-9818-2D49E9011334}" type="datetimeFigureOut">
               <a:rPr lang="de-DE" smtClean="0"/>
-              <a:t>19.06.2018</a:t>
+              <a:t>24.06.2018</a:t>
             </a:fld>
             <a:endParaRPr lang="de-DE"/>
           </a:p>
@@ -4187,7 +4188,7 @@
           <a:p>
             <a:fld id="{6BBDE0CE-4CFD-4B43-9818-2D49E9011334}" type="datetimeFigureOut">
               <a:rPr lang="de-DE" smtClean="0"/>
-              <a:t>19.06.2018</a:t>
+              <a:t>24.06.2018</a:t>
             </a:fld>
             <a:endParaRPr lang="de-DE"/>
           </a:p>
@@ -4479,7 +4480,7 @@
           <a:p>
             <a:fld id="{6BBDE0CE-4CFD-4B43-9818-2D49E9011334}" type="datetimeFigureOut">
               <a:rPr lang="de-DE" smtClean="0"/>
-              <a:t>19.06.2018</a:t>
+              <a:t>24.06.2018</a:t>
             </a:fld>
             <a:endParaRPr lang="de-DE"/>
           </a:p>
@@ -4917,7 +4918,7 @@
           <a:p>
             <a:fld id="{6BBDE0CE-4CFD-4B43-9818-2D49E9011334}" type="datetimeFigureOut">
               <a:rPr lang="de-DE" smtClean="0"/>
-              <a:t>19.06.2018</a:t>
+              <a:t>24.06.2018</a:t>
             </a:fld>
             <a:endParaRPr lang="de-DE"/>
           </a:p>
@@ -5035,7 +5036,7 @@
           <a:p>
             <a:fld id="{6BBDE0CE-4CFD-4B43-9818-2D49E9011334}" type="datetimeFigureOut">
               <a:rPr lang="de-DE" smtClean="0"/>
-              <a:t>19.06.2018</a:t>
+              <a:t>24.06.2018</a:t>
             </a:fld>
             <a:endParaRPr lang="de-DE"/>
           </a:p>
@@ -5130,7 +5131,7 @@
           <a:p>
             <a:fld id="{6BBDE0CE-4CFD-4B43-9818-2D49E9011334}" type="datetimeFigureOut">
               <a:rPr lang="de-DE" smtClean="0"/>
-              <a:t>19.06.2018</a:t>
+              <a:t>24.06.2018</a:t>
             </a:fld>
             <a:endParaRPr lang="de-DE"/>
           </a:p>
@@ -5409,7 +5410,7 @@
           <a:p>
             <a:fld id="{6BBDE0CE-4CFD-4B43-9818-2D49E9011334}" type="datetimeFigureOut">
               <a:rPr lang="de-DE" smtClean="0"/>
-              <a:t>19.06.2018</a:t>
+              <a:t>24.06.2018</a:t>
             </a:fld>
             <a:endParaRPr lang="de-DE"/>
           </a:p>
@@ -5684,7 +5685,7 @@
           <a:p>
             <a:fld id="{6BBDE0CE-4CFD-4B43-9818-2D49E9011334}" type="datetimeFigureOut">
               <a:rPr lang="de-DE" smtClean="0"/>
-              <a:t>19.06.2018</a:t>
+              <a:t>24.06.2018</a:t>
             </a:fld>
             <a:endParaRPr lang="de-DE"/>
           </a:p>
@@ -6249,7 +6250,7 @@
           <a:p>
             <a:fld id="{6BBDE0CE-4CFD-4B43-9818-2D49E9011334}" type="datetimeFigureOut">
               <a:rPr lang="de-DE" smtClean="0"/>
-              <a:t>19.06.2018</a:t>
+              <a:t>24.06.2018</a:t>
             </a:fld>
             <a:endParaRPr lang="de-DE"/>
           </a:p>
@@ -6926,6 +6927,66 @@
           </a:prstGeom>
         </p:spPr>
       </p:pic>
+      <p:pic>
+        <p:nvPicPr>
+          <p:cNvPr id="5" name="Grafik 4"/>
+          <p:cNvPicPr>
+            <a:picLocks noChangeAspect="1"/>
+          </p:cNvPicPr>
+          <p:nvPr/>
+        </p:nvPicPr>
+        <p:blipFill>
+          <a:blip r:embed="rId3" cstate="print">
+            <a:extLst>
+              <a:ext uri="{28A0092B-C50C-407E-A947-70E740481C1C}">
+                <a14:useLocalDpi xmlns:a14="http://schemas.microsoft.com/office/drawing/2010/main" val="0"/>
+              </a:ext>
+            </a:extLst>
+          </a:blip>
+          <a:stretch>
+            <a:fillRect/>
+          </a:stretch>
+        </p:blipFill>
+        <p:spPr>
+          <a:xfrm>
+            <a:off x="323528" y="1588033"/>
+            <a:ext cx="1080120" cy="945630"/>
+          </a:xfrm>
+          <a:prstGeom prst="rect">
+            <a:avLst/>
+          </a:prstGeom>
+        </p:spPr>
+      </p:pic>
+      <p:pic>
+        <p:nvPicPr>
+          <p:cNvPr id="6" name="Grafik 5"/>
+          <p:cNvPicPr>
+            <a:picLocks noChangeAspect="1"/>
+          </p:cNvPicPr>
+          <p:nvPr/>
+        </p:nvPicPr>
+        <p:blipFill>
+          <a:blip r:embed="rId3" cstate="print">
+            <a:extLst>
+              <a:ext uri="{28A0092B-C50C-407E-A947-70E740481C1C}">
+                <a14:useLocalDpi xmlns:a14="http://schemas.microsoft.com/office/drawing/2010/main" val="0"/>
+              </a:ext>
+            </a:extLst>
+          </a:blip>
+          <a:stretch>
+            <a:fillRect/>
+          </a:stretch>
+        </p:blipFill>
+        <p:spPr>
+          <a:xfrm>
+            <a:off x="2771800" y="4005064"/>
+            <a:ext cx="1080120" cy="945630"/>
+          </a:xfrm>
+          <a:prstGeom prst="rect">
+            <a:avLst/>
+          </a:prstGeom>
+        </p:spPr>
+      </p:pic>
     </p:spTree>
     <p:extLst>
       <p:ext uri="{BB962C8B-B14F-4D97-AF65-F5344CB8AC3E}">
@@ -7387,6 +7448,66 @@
           </a:prstGeom>
         </p:spPr>
       </p:pic>
+      <p:pic>
+        <p:nvPicPr>
+          <p:cNvPr id="3" name="Grafik 2"/>
+          <p:cNvPicPr>
+            <a:picLocks noChangeAspect="1"/>
+          </p:cNvPicPr>
+          <p:nvPr/>
+        </p:nvPicPr>
+        <p:blipFill>
+          <a:blip r:embed="rId3" cstate="print">
+            <a:extLst>
+              <a:ext uri="{28A0092B-C50C-407E-A947-70E740481C1C}">
+                <a14:useLocalDpi xmlns:a14="http://schemas.microsoft.com/office/drawing/2010/main" val="0"/>
+              </a:ext>
+            </a:extLst>
+          </a:blip>
+          <a:stretch>
+            <a:fillRect/>
+          </a:stretch>
+        </p:blipFill>
+        <p:spPr>
+          <a:xfrm>
+            <a:off x="6012160" y="5892898"/>
+            <a:ext cx="1080120" cy="945630"/>
+          </a:xfrm>
+          <a:prstGeom prst="rect">
+            <a:avLst/>
+          </a:prstGeom>
+        </p:spPr>
+      </p:pic>
+      <p:pic>
+        <p:nvPicPr>
+          <p:cNvPr id="6" name="Grafik 5"/>
+          <p:cNvPicPr>
+            <a:picLocks noChangeAspect="1"/>
+          </p:cNvPicPr>
+          <p:nvPr/>
+        </p:nvPicPr>
+        <p:blipFill>
+          <a:blip r:embed="rId4" cstate="print">
+            <a:extLst>
+              <a:ext uri="{28A0092B-C50C-407E-A947-70E740481C1C}">
+                <a14:useLocalDpi xmlns:a14="http://schemas.microsoft.com/office/drawing/2010/main" val="0"/>
+              </a:ext>
+            </a:extLst>
+          </a:blip>
+          <a:stretch>
+            <a:fillRect/>
+          </a:stretch>
+        </p:blipFill>
+        <p:spPr>
+          <a:xfrm>
+            <a:off x="3203848" y="908720"/>
+            <a:ext cx="504056" cy="441294"/>
+          </a:xfrm>
+          <a:prstGeom prst="rect">
+            <a:avLst/>
+          </a:prstGeom>
+        </p:spPr>
+      </p:pic>
     </p:spTree>
     <p:extLst>
       <p:ext uri="{BB962C8B-B14F-4D97-AF65-F5344CB8AC3E}">
@@ -7441,45 +7562,45 @@
           <a:p>
             <a:r>
               <a:rPr lang="de-DE" dirty="0" smtClean="0"/>
-              <a:t>Bildergalerie/Videos</a:t>
+              <a:t>Basisstation</a:t>
             </a:r>
             <a:endParaRPr lang="de-DE" dirty="0"/>
           </a:p>
         </p:txBody>
       </p:sp>
-      <p:sp>
-        <p:nvSpPr>
-          <p:cNvPr id="3" name="Inhaltsplatzhalter 2"/>
-          <p:cNvSpPr>
-            <a:spLocks noGrp="1"/>
-          </p:cNvSpPr>
+      <p:pic>
+        <p:nvPicPr>
+          <p:cNvPr id="4" name="Inhaltsplatzhalter 3"/>
+          <p:cNvPicPr>
+            <a:picLocks noGrp="1" noChangeAspect="1"/>
+          </p:cNvPicPr>
           <p:nvPr>
             <p:ph idx="1"/>
           </p:nvPr>
-        </p:nvSpPr>
-        <p:spPr/>
-        <p:txBody>
-          <a:bodyPr/>
-          <a:lstStyle/>
-          <a:p>
-            <a:r>
-              <a:rPr lang="de-DE" dirty="0" smtClean="0"/>
-              <a:t>Unsere Startversuche?!</a:t>
-            </a:r>
-          </a:p>
-          <a:p>
-            <a:r>
-              <a:rPr lang="de-DE" dirty="0" smtClean="0"/>
-              <a:t>Entwicklung</a:t>
-            </a:r>
-            <a:endParaRPr lang="de-DE" dirty="0"/>
-          </a:p>
-        </p:txBody>
-      </p:sp>
+        </p:nvPicPr>
+        <p:blipFill>
+          <a:blip r:embed="rId2">
+            <a:extLst>
+              <a:ext uri="{28A0092B-C50C-407E-A947-70E740481C1C}">
+                <a14:useLocalDpi xmlns:a14="http://schemas.microsoft.com/office/drawing/2010/main" val="0"/>
+              </a:ext>
+            </a:extLst>
+          </a:blip>
+          <a:stretch>
+            <a:fillRect/>
+          </a:stretch>
+        </p:blipFill>
+        <p:spPr>
+          <a:xfrm>
+            <a:off x="736036" y="1853248"/>
+            <a:ext cx="6552728" cy="4045813"/>
+          </a:xfrm>
+        </p:spPr>
+      </p:pic>
     </p:spTree>
     <p:extLst>
       <p:ext uri="{BB962C8B-B14F-4D97-AF65-F5344CB8AC3E}">
-        <p14:creationId xmlns:p14="http://schemas.microsoft.com/office/powerpoint/2010/main" val="3386106461"/>
+        <p14:creationId xmlns:p14="http://schemas.microsoft.com/office/powerpoint/2010/main" val="1397788271"/>
       </p:ext>
     </p:extLst>
   </p:cSld>
@@ -7530,7 +7651,7 @@
           <a:p>
             <a:r>
               <a:rPr lang="de-DE" dirty="0" smtClean="0"/>
-              <a:t>Aktuelle Baustellen</a:t>
+              <a:t>Bildergalerie/Videos</a:t>
             </a:r>
             <a:endParaRPr lang="de-DE" dirty="0"/>
           </a:p>
@@ -7550,6 +7671,105 @@
         <p:txBody>
           <a:bodyPr/>
           <a:lstStyle/>
+          <a:p>
+            <a:r>
+              <a:rPr lang="de-DE" dirty="0" smtClean="0"/>
+              <a:t>Unsere Startversuche?!</a:t>
+            </a:r>
+          </a:p>
+          <a:p>
+            <a:r>
+              <a:rPr lang="de-DE" dirty="0" smtClean="0"/>
+              <a:t>Entwicklung</a:t>
+            </a:r>
+            <a:endParaRPr lang="de-DE" dirty="0"/>
+          </a:p>
+        </p:txBody>
+      </p:sp>
+    </p:spTree>
+    <p:extLst>
+      <p:ext uri="{BB962C8B-B14F-4D97-AF65-F5344CB8AC3E}">
+        <p14:creationId xmlns:p14="http://schemas.microsoft.com/office/powerpoint/2010/main" val="3386106461"/>
+      </p:ext>
+    </p:extLst>
+  </p:cSld>
+  <p:clrMapOvr>
+    <a:masterClrMapping/>
+  </p:clrMapOvr>
+  <p:timing>
+    <p:tnLst>
+      <p:par>
+        <p:cTn id="1" dur="indefinite" restart="never" nodeType="tmRoot"/>
+      </p:par>
+    </p:tnLst>
+  </p:timing>
+</p:sld>
+</file>
+
+<file path=ppt/slides/slide16.xml><?xml version="1.0" encoding="utf-8"?>
+<p:sld xmlns:a="http://schemas.openxmlformats.org/drawingml/2006/main" xmlns:r="http://schemas.openxmlformats.org/officeDocument/2006/relationships" xmlns:p="http://schemas.openxmlformats.org/presentationml/2006/main">
+  <p:cSld>
+    <p:spTree>
+      <p:nvGrpSpPr>
+        <p:cNvPr id="1" name=""/>
+        <p:cNvGrpSpPr/>
+        <p:nvPr/>
+      </p:nvGrpSpPr>
+      <p:grpSpPr>
+        <a:xfrm>
+          <a:off x="0" y="0"/>
+          <a:ext cx="0" cy="0"/>
+          <a:chOff x="0" y="0"/>
+          <a:chExt cx="0" cy="0"/>
+        </a:xfrm>
+      </p:grpSpPr>
+      <p:sp>
+        <p:nvSpPr>
+          <p:cNvPr id="2" name="Titel 1"/>
+          <p:cNvSpPr>
+            <a:spLocks noGrp="1"/>
+          </p:cNvSpPr>
+          <p:nvPr>
+            <p:ph type="title"/>
+          </p:nvPr>
+        </p:nvSpPr>
+        <p:spPr/>
+        <p:txBody>
+          <a:bodyPr/>
+          <a:lstStyle/>
+          <a:p>
+            <a:r>
+              <a:rPr lang="de-DE" dirty="0" smtClean="0"/>
+              <a:t>Aktuelle </a:t>
+            </a:r>
+            <a:r>
+              <a:rPr lang="de-DE" dirty="0" smtClean="0"/>
+              <a:t>Problemzonen</a:t>
+            </a:r>
+            <a:endParaRPr lang="de-DE" dirty="0"/>
+          </a:p>
+        </p:txBody>
+      </p:sp>
+      <p:sp>
+        <p:nvSpPr>
+          <p:cNvPr id="3" name="Inhaltsplatzhalter 2"/>
+          <p:cNvSpPr>
+            <a:spLocks noGrp="1"/>
+          </p:cNvSpPr>
+          <p:nvPr>
+            <p:ph idx="1"/>
+          </p:nvPr>
+        </p:nvSpPr>
+        <p:spPr/>
+        <p:txBody>
+          <a:bodyPr/>
+          <a:lstStyle/>
+          <a:p>
+            <a:r>
+              <a:rPr lang="de-DE" dirty="0"/>
+              <a:t>Stromversorgung</a:t>
+            </a:r>
+          </a:p>
           <a:p>
             <a:r>
               <a:rPr lang="de-DE" dirty="0" smtClean="0"/>
@@ -7558,6 +7778,13 @@
           </a:p>
           <a:p>
             <a:r>
+              <a:rPr lang="de-DE" dirty="0"/>
+              <a:t>Motorstärke</a:t>
+            </a:r>
+            <a:endParaRPr lang="de-DE" dirty="0" smtClean="0"/>
+          </a:p>
+          <a:p>
+            <a:r>
               <a:rPr lang="de-DE" dirty="0" smtClean="0"/>
               <a:t>Basisstation / </a:t>
             </a:r>
@@ -7568,10 +7795,6 @@
             <a:endParaRPr lang="de-DE" dirty="0" smtClean="0"/>
           </a:p>
           <a:p>
-            <a:r>
-              <a:rPr lang="de-DE" dirty="0" smtClean="0"/>
-              <a:t>Bildauswertung</a:t>
-            </a:r>
             <a:endParaRPr lang="de-DE" dirty="0"/>
           </a:p>
         </p:txBody>
@@ -8415,6 +8638,36 @@
           </a:prstGeom>
         </p:spPr>
       </p:pic>
+      <p:pic>
+        <p:nvPicPr>
+          <p:cNvPr id="5" name="Grafik 4"/>
+          <p:cNvPicPr>
+            <a:picLocks noChangeAspect="1"/>
+          </p:cNvPicPr>
+          <p:nvPr/>
+        </p:nvPicPr>
+        <p:blipFill>
+          <a:blip r:embed="rId3" cstate="print">
+            <a:extLst>
+              <a:ext uri="{28A0092B-C50C-407E-A947-70E740481C1C}">
+                <a14:useLocalDpi xmlns:a14="http://schemas.microsoft.com/office/drawing/2010/main" val="0"/>
+              </a:ext>
+            </a:extLst>
+          </a:blip>
+          <a:stretch>
+            <a:fillRect/>
+          </a:stretch>
+        </p:blipFill>
+        <p:spPr>
+          <a:xfrm>
+            <a:off x="323528" y="1916832"/>
+            <a:ext cx="1080120" cy="945630"/>
+          </a:xfrm>
+          <a:prstGeom prst="rect">
+            <a:avLst/>
+          </a:prstGeom>
+        </p:spPr>
+      </p:pic>
     </p:spTree>
     <p:extLst>
       <p:ext uri="{BB962C8B-B14F-4D97-AF65-F5344CB8AC3E}">
@@ -8428,7 +8681,75 @@
   <p:timing>
     <p:tnLst>
       <p:par>
-        <p:cTn id="1" dur="indefinite" restart="never" nodeType="tmRoot"/>
+        <p:cTn id="1" dur="indefinite" restart="never" nodeType="tmRoot">
+          <p:childTnLst>
+            <p:seq concurrent="1" nextAc="seek">
+              <p:cTn id="2" dur="indefinite" nodeType="mainSeq">
+                <p:childTnLst>
+                  <p:par>
+                    <p:cTn id="3" fill="hold">
+                      <p:stCondLst>
+                        <p:cond delay="indefinite"/>
+                      </p:stCondLst>
+                      <p:childTnLst>
+                        <p:par>
+                          <p:cTn id="4" fill="hold">
+                            <p:stCondLst>
+                              <p:cond delay="0"/>
+                            </p:stCondLst>
+                            <p:childTnLst>
+                              <p:par>
+                                <p:cTn id="5" presetID="1" presetClass="entr" presetSubtype="0" fill="hold" nodeType="clickEffect">
+                                  <p:stCondLst>
+                                    <p:cond delay="0"/>
+                                  </p:stCondLst>
+                                  <p:childTnLst>
+                                    <p:set>
+                                      <p:cBhvr>
+                                        <p:cTn id="6" dur="1" fill="hold">
+                                          <p:stCondLst>
+                                            <p:cond delay="0"/>
+                                          </p:stCondLst>
+                                        </p:cTn>
+                                        <p:tgtEl>
+                                          <p:spTgt spid="5"/>
+                                        </p:tgtEl>
+                                        <p:attrNameLst>
+                                          <p:attrName>style.visibility</p:attrName>
+                                        </p:attrNameLst>
+                                      </p:cBhvr>
+                                      <p:to>
+                                        <p:strVal val="visible"/>
+                                      </p:to>
+                                    </p:set>
+                                  </p:childTnLst>
+                                </p:cTn>
+                              </p:par>
+                            </p:childTnLst>
+                          </p:cTn>
+                        </p:par>
+                      </p:childTnLst>
+                    </p:cTn>
+                  </p:par>
+                </p:childTnLst>
+              </p:cTn>
+              <p:prevCondLst>
+                <p:cond evt="onPrev" delay="0">
+                  <p:tgtEl>
+                    <p:sldTgt/>
+                  </p:tgtEl>
+                </p:cond>
+              </p:prevCondLst>
+              <p:nextCondLst>
+                <p:cond evt="onNext" delay="0">
+                  <p:tgtEl>
+                    <p:sldTgt/>
+                  </p:tgtEl>
+                </p:cond>
+              </p:nextCondLst>
+            </p:seq>
+          </p:childTnLst>
+        </p:cTn>
       </p:par>
     </p:tnLst>
   </p:timing>
@@ -8499,6 +8820,36 @@
           <a:xfrm>
             <a:off x="395536" y="1772816"/>
             <a:ext cx="8352928" cy="4001185"/>
+          </a:xfrm>
+          <a:prstGeom prst="rect">
+            <a:avLst/>
+          </a:prstGeom>
+        </p:spPr>
+      </p:pic>
+      <p:pic>
+        <p:nvPicPr>
+          <p:cNvPr id="4" name="Grafik 3"/>
+          <p:cNvPicPr>
+            <a:picLocks noChangeAspect="1"/>
+          </p:cNvPicPr>
+          <p:nvPr/>
+        </p:nvPicPr>
+        <p:blipFill>
+          <a:blip r:embed="rId3" cstate="print">
+            <a:extLst>
+              <a:ext uri="{28A0092B-C50C-407E-A947-70E740481C1C}">
+                <a14:useLocalDpi xmlns:a14="http://schemas.microsoft.com/office/drawing/2010/main" val="0"/>
+              </a:ext>
+            </a:extLst>
+          </a:blip>
+          <a:stretch>
+            <a:fillRect/>
+          </a:stretch>
+        </p:blipFill>
+        <p:spPr>
+          <a:xfrm>
+            <a:off x="6084168" y="2227716"/>
+            <a:ext cx="1080120" cy="945630"/>
           </a:xfrm>
           <a:prstGeom prst="rect">
             <a:avLst/>
